--- a/docs/diagrams/LogicComponentSequenceDiagram.pptx
+++ b/docs/diagrams/LogicComponentSequenceDiagram.pptx
@@ -212,7 +212,7 @@
           <a:p>
             <a:fld id="{F5CC4B3F-88C1-4FFA-B1B6-F41C21DC6924}" type="datetimeFigureOut">
               <a:rPr lang="en-US" smtClean="0"/>
-              <a:t>7/11/2017</a:t>
+              <a:t>3/23/18</a:t>
             </a:fld>
             <a:endParaRPr lang="en-US"/>
           </a:p>
@@ -658,7 +658,7 @@
           <a:p>
             <a:fld id="{78C97017-6FC3-485B-9764-EAC9E56C1D49}" type="datetimeFigureOut">
               <a:rPr lang="en-US" smtClean="0"/>
-              <a:t>7/11/2017</a:t>
+              <a:t>3/23/18</a:t>
             </a:fld>
             <a:endParaRPr lang="en-US"/>
           </a:p>
@@ -826,7 +826,7 @@
           <a:p>
             <a:fld id="{78C97017-6FC3-485B-9764-EAC9E56C1D49}" type="datetimeFigureOut">
               <a:rPr lang="en-US" smtClean="0"/>
-              <a:t>7/11/2017</a:t>
+              <a:t>3/23/18</a:t>
             </a:fld>
             <a:endParaRPr lang="en-US"/>
           </a:p>
@@ -1004,7 +1004,7 @@
           <a:p>
             <a:fld id="{78C97017-6FC3-485B-9764-EAC9E56C1D49}" type="datetimeFigureOut">
               <a:rPr lang="en-US" smtClean="0"/>
-              <a:t>7/11/2017</a:t>
+              <a:t>3/23/18</a:t>
             </a:fld>
             <a:endParaRPr lang="en-US"/>
           </a:p>
@@ -1172,7 +1172,7 @@
           <a:p>
             <a:fld id="{78C97017-6FC3-485B-9764-EAC9E56C1D49}" type="datetimeFigureOut">
               <a:rPr lang="en-US" smtClean="0"/>
-              <a:t>7/11/2017</a:t>
+              <a:t>3/23/18</a:t>
             </a:fld>
             <a:endParaRPr lang="en-US"/>
           </a:p>
@@ -1417,7 +1417,7 @@
           <a:p>
             <a:fld id="{78C97017-6FC3-485B-9764-EAC9E56C1D49}" type="datetimeFigureOut">
               <a:rPr lang="en-US" smtClean="0"/>
-              <a:t>7/11/2017</a:t>
+              <a:t>3/23/18</a:t>
             </a:fld>
             <a:endParaRPr lang="en-US"/>
           </a:p>
@@ -1702,7 +1702,7 @@
           <a:p>
             <a:fld id="{78C97017-6FC3-485B-9764-EAC9E56C1D49}" type="datetimeFigureOut">
               <a:rPr lang="en-US" smtClean="0"/>
-              <a:t>7/11/2017</a:t>
+              <a:t>3/23/18</a:t>
             </a:fld>
             <a:endParaRPr lang="en-US"/>
           </a:p>
@@ -2121,7 +2121,7 @@
           <a:p>
             <a:fld id="{78C97017-6FC3-485B-9764-EAC9E56C1D49}" type="datetimeFigureOut">
               <a:rPr lang="en-US" smtClean="0"/>
-              <a:t>7/11/2017</a:t>
+              <a:t>3/23/18</a:t>
             </a:fld>
             <a:endParaRPr lang="en-US"/>
           </a:p>
@@ -2238,7 +2238,7 @@
           <a:p>
             <a:fld id="{78C97017-6FC3-485B-9764-EAC9E56C1D49}" type="datetimeFigureOut">
               <a:rPr lang="en-US" smtClean="0"/>
-              <a:t>7/11/2017</a:t>
+              <a:t>3/23/18</a:t>
             </a:fld>
             <a:endParaRPr lang="en-US"/>
           </a:p>
@@ -2333,7 +2333,7 @@
           <a:p>
             <a:fld id="{78C97017-6FC3-485B-9764-EAC9E56C1D49}" type="datetimeFigureOut">
               <a:rPr lang="en-US" smtClean="0"/>
-              <a:t>7/11/2017</a:t>
+              <a:t>3/23/18</a:t>
             </a:fld>
             <a:endParaRPr lang="en-US"/>
           </a:p>
@@ -2608,7 +2608,7 @@
           <a:p>
             <a:fld id="{78C97017-6FC3-485B-9764-EAC9E56C1D49}" type="datetimeFigureOut">
               <a:rPr lang="en-US" smtClean="0"/>
-              <a:t>7/11/2017</a:t>
+              <a:t>3/23/18</a:t>
             </a:fld>
             <a:endParaRPr lang="en-US"/>
           </a:p>
@@ -2860,7 +2860,7 @@
           <a:p>
             <a:fld id="{78C97017-6FC3-485B-9764-EAC9E56C1D49}" type="datetimeFigureOut">
               <a:rPr lang="en-US" smtClean="0"/>
-              <a:t>7/11/2017</a:t>
+              <a:t>3/23/18</a:t>
             </a:fld>
             <a:endParaRPr lang="en-US"/>
           </a:p>
@@ -3071,7 +3071,7 @@
           <a:p>
             <a:fld id="{78C97017-6FC3-485B-9764-EAC9E56C1D49}" type="datetimeFigureOut">
               <a:rPr lang="en-US" smtClean="0"/>
-              <a:t>7/11/2017</a:t>
+              <a:t>3/23/18</a:t>
             </a:fld>
             <a:endParaRPr lang="en-US"/>
           </a:p>
@@ -3454,8 +3454,8 @@
         </p:nvSpPr>
         <p:spPr>
           <a:xfrm>
-            <a:off x="685800" y="1981200"/>
-            <a:ext cx="7252956" cy="4000286"/>
+            <a:off x="712423" y="1761190"/>
+            <a:ext cx="7369219" cy="4876800"/>
           </a:xfrm>
           <a:prstGeom prst="roundRect">
             <a:avLst>
@@ -3860,12 +3860,28 @@
           <a:p>
             <a:pPr algn="ctr"/>
             <a:r>
+              <a:rPr lang="en-US" sz="1600" dirty="0" err="1" smtClean="0">
+                <a:solidFill>
+                  <a:schemeClr val="bg1"/>
+                </a:solidFill>
+              </a:rPr>
+              <a:t>s</a:t>
+            </a:r>
+            <a:r>
+              <a:rPr lang="en-US" sz="1600" dirty="0" err="1" smtClean="0">
+                <a:solidFill>
+                  <a:schemeClr val="bg1"/>
+                </a:solidFill>
+              </a:rPr>
+              <a:t>:Save</a:t>
+            </a:r>
+            <a:r>
               <a:rPr lang="en-US" sz="1600" dirty="0">
                 <a:solidFill>
                   <a:schemeClr val="bg1"/>
                 </a:solidFill>
               </a:rPr>
-              <a:t>d:Delete</a:t>
+              <a:t/>
             </a:r>
             <a:br>
               <a:rPr lang="en-US" sz="1600" dirty="0">
@@ -4077,7 +4093,39 @@
                   <a:srgbClr val="0070C0"/>
                 </a:solidFill>
               </a:rPr>
-              <a:t>execute(“delete 1”)</a:t>
+              <a:t>execute</a:t>
+            </a:r>
+            <a:r>
+              <a:rPr lang="en-US" sz="1400" dirty="0" smtClean="0">
+                <a:solidFill>
+                  <a:srgbClr val="0070C0"/>
+                </a:solidFill>
+              </a:rPr>
+              <a:t>(“</a:t>
+            </a:r>
+            <a:r>
+              <a:rPr lang="en-US" sz="1400" dirty="0" smtClean="0">
+                <a:solidFill>
+                  <a:srgbClr val="0070C0"/>
+                </a:solidFill>
+              </a:rPr>
+              <a:t>save</a:t>
+            </a:r>
+            <a:r>
+              <a:rPr lang="en-US" sz="1400" dirty="0" smtClean="0">
+                <a:solidFill>
+                  <a:srgbClr val="0070C0"/>
+                </a:solidFill>
+              </a:rPr>
+              <a:t> </a:t>
+            </a:r>
+            <a:r>
+              <a:rPr lang="en-US" sz="1400" dirty="0">
+                <a:solidFill>
+                  <a:srgbClr val="0070C0"/>
+                </a:solidFill>
+              </a:rPr>
+              <a:t>1”)</a:t>
             </a:r>
           </a:p>
         </p:txBody>
@@ -4280,7 +4328,7 @@
         </p:nvSpPr>
         <p:spPr>
           <a:xfrm>
-            <a:off x="8265896" y="2362200"/>
+            <a:off x="8113496" y="2354098"/>
             <a:ext cx="1030504" cy="346760"/>
           </a:xfrm>
           <a:prstGeom prst="rect">
@@ -4381,8 +4429,8 @@
         </p:nvSpPr>
         <p:spPr>
           <a:xfrm>
-            <a:off x="6687452" y="4467000"/>
-            <a:ext cx="161322" cy="1019400"/>
+            <a:off x="6687452" y="4461200"/>
+            <a:ext cx="188696" cy="1025200"/>
           </a:xfrm>
           <a:prstGeom prst="rect">
             <a:avLst/>
@@ -4666,21 +4714,34 @@
           </a:lstStyle>
           <a:p>
             <a:r>
-              <a:rPr lang="en-US" dirty="0" err="1">
+              <a:rPr lang="en-US" dirty="0" err="1" smtClean="0">
                 <a:solidFill>
                   <a:srgbClr val="7030A0"/>
                 </a:solidFill>
               </a:rPr>
-              <a:t>deletePerson</a:t>
-            </a:r>
-            <a:r>
-              <a:rPr lang="en-US" dirty="0">
+              <a:t>update</a:t>
+            </a:r>
+            <a:r>
+              <a:rPr lang="en-US" dirty="0" err="1" smtClean="0">
+                <a:solidFill>
+                  <a:srgbClr val="7030A0"/>
+                </a:solidFill>
+              </a:rPr>
+              <a:t>Person</a:t>
+            </a:r>
+            <a:r>
+              <a:rPr lang="en-US" dirty="0" smtClean="0">
                 <a:solidFill>
                   <a:srgbClr val="7030A0"/>
                 </a:solidFill>
               </a:rPr>
               <a:t>(p)</a:t>
             </a:r>
+            <a:endParaRPr lang="en-US" dirty="0">
+              <a:solidFill>
+                <a:srgbClr val="7030A0"/>
+              </a:solidFill>
+            </a:endParaRPr>
           </a:p>
         </p:txBody>
       </p:sp>
@@ -4759,7 +4820,23 @@
           <a:p>
             <a:r>
               <a:rPr lang="en-US" dirty="0"/>
-              <a:t>parse(“delete 1”)</a:t>
+              <a:t>parse</a:t>
+            </a:r>
+            <a:r>
+              <a:rPr lang="en-US" dirty="0" smtClean="0"/>
+              <a:t>(“</a:t>
+            </a:r>
+            <a:r>
+              <a:rPr lang="en-US" dirty="0" smtClean="0"/>
+              <a:t>save</a:t>
+            </a:r>
+            <a:r>
+              <a:rPr lang="en-US" dirty="0" smtClean="0"/>
+              <a:t> </a:t>
+            </a:r>
+            <a:r>
+              <a:rPr lang="en-US" dirty="0"/>
+              <a:t>1”)</a:t>
             </a:r>
           </a:p>
         </p:txBody>
@@ -5031,8 +5108,9 @@
           <a:p>
             <a:r>
               <a:rPr lang="en-US" dirty="0"/>
-              <a:t>d</a:t>
-            </a:r>
+              <a:t>s</a:t>
+            </a:r>
+            <a:endParaRPr lang="en-US" dirty="0"/>
           </a:p>
         </p:txBody>
       </p:sp>
@@ -5080,7 +5158,7 @@
           <a:p>
             <a:pPr algn="ctr"/>
             <a:r>
-              <a:rPr lang="en-US" sz="1600" dirty="0">
+              <a:rPr lang="en-US" sz="1600" dirty="0" smtClean="0">
                 <a:solidFill>
                   <a:schemeClr val="bg1"/>
                 </a:solidFill>
@@ -5088,12 +5166,20 @@
               <a:t>:</a:t>
             </a:r>
             <a:r>
-              <a:rPr lang="en-US" sz="1600" dirty="0" err="1">
+              <a:rPr lang="en-US" sz="1600" dirty="0" err="1" smtClean="0">
                 <a:solidFill>
                   <a:schemeClr val="bg1"/>
                 </a:solidFill>
               </a:rPr>
-              <a:t>DeleteCommand</a:t>
+              <a:t>Save</a:t>
+            </a:r>
+            <a:r>
+              <a:rPr lang="en-US" sz="1600" dirty="0" err="1" smtClean="0">
+                <a:solidFill>
+                  <a:schemeClr val="bg1"/>
+                </a:solidFill>
+              </a:rPr>
+              <a:t>Command</a:t>
             </a:r>
             <a:endParaRPr lang="en-US" sz="1600" dirty="0">
               <a:solidFill>
@@ -5462,6 +5548,169 @@
               </a:rPr>
               <a:t>X</a:t>
             </a:r>
+          </a:p>
+        </p:txBody>
+      </p:sp>
+      <p:sp>
+        <p:nvSpPr>
+          <p:cNvPr id="47" name="Rectangle 46"/>
+          <p:cNvSpPr/>
+          <p:nvPr/>
+        </p:nvSpPr>
+        <p:spPr>
+          <a:xfrm>
+            <a:off x="6504996" y="4805561"/>
+            <a:ext cx="294954" cy="401492"/>
+          </a:xfrm>
+          <a:prstGeom prst="rect">
+            <a:avLst/>
+          </a:prstGeom>
+          <a:solidFill>
+            <a:srgbClr val="0070C0"/>
+          </a:solidFill>
+          <a:ln>
+            <a:solidFill>
+              <a:srgbClr val="0070C0"/>
+            </a:solidFill>
+          </a:ln>
+          <a:effectLst/>
+        </p:spPr>
+        <p:style>
+          <a:lnRef idx="1">
+            <a:schemeClr val="accent3"/>
+          </a:lnRef>
+          <a:fillRef idx="2">
+            <a:schemeClr val="accent3"/>
+          </a:fillRef>
+          <a:effectRef idx="1">
+            <a:schemeClr val="accent3"/>
+          </a:effectRef>
+          <a:fontRef idx="minor">
+            <a:schemeClr val="dk1"/>
+          </a:fontRef>
+        </p:style>
+        <p:txBody>
+          <a:bodyPr rtlCol="0" anchor="ctr"/>
+          <a:lstStyle/>
+          <a:p>
+            <a:pPr algn="ctr"/>
+            <a:endParaRPr lang="en-SG" sz="1400"/>
+          </a:p>
+        </p:txBody>
+      </p:sp>
+      <p:cxnSp>
+        <p:nvCxnSpPr>
+          <p:cNvPr id="12" name="Curved Connector 11"/>
+          <p:cNvCxnSpPr/>
+          <p:nvPr/>
+        </p:nvCxnSpPr>
+        <p:spPr>
+          <a:xfrm rot="10800000" flipV="1">
+            <a:off x="6504997" y="4611995"/>
+            <a:ext cx="209526" cy="193567"/>
+          </a:xfrm>
+          <a:prstGeom prst="curvedConnector3">
+            <a:avLst>
+              <a:gd name="adj1" fmla="val 184017"/>
+            </a:avLst>
+          </a:prstGeom>
+          <a:ln w="19050">
+            <a:tailEnd type="triangle"/>
+          </a:ln>
+        </p:spPr>
+        <p:style>
+          <a:lnRef idx="1">
+            <a:schemeClr val="accent1"/>
+          </a:lnRef>
+          <a:fillRef idx="0">
+            <a:schemeClr val="accent1"/>
+          </a:fillRef>
+          <a:effectRef idx="0">
+            <a:schemeClr val="accent1"/>
+          </a:effectRef>
+          <a:fontRef idx="minor">
+            <a:schemeClr val="tx1"/>
+          </a:fontRef>
+        </p:style>
+      </p:cxnSp>
+      <p:cxnSp>
+        <p:nvCxnSpPr>
+          <p:cNvPr id="22" name="Curved Connector 21"/>
+          <p:cNvCxnSpPr/>
+          <p:nvPr/>
+        </p:nvCxnSpPr>
+        <p:spPr>
+          <a:xfrm>
+            <a:off x="6504995" y="5207052"/>
+            <a:ext cx="220299" cy="155993"/>
+          </a:xfrm>
+          <a:prstGeom prst="curvedConnector3">
+            <a:avLst>
+              <a:gd name="adj1" fmla="val -51317"/>
+            </a:avLst>
+          </a:prstGeom>
+          <a:ln w="19050">
+            <a:prstDash val="dash"/>
+            <a:tailEnd type="triangle"/>
+          </a:ln>
+        </p:spPr>
+        <p:style>
+          <a:lnRef idx="1">
+            <a:schemeClr val="accent1"/>
+          </a:lnRef>
+          <a:fillRef idx="0">
+            <a:schemeClr val="accent1"/>
+          </a:fillRef>
+          <a:effectRef idx="0">
+            <a:schemeClr val="accent1"/>
+          </a:effectRef>
+          <a:fontRef idx="minor">
+            <a:schemeClr val="tx1"/>
+          </a:fontRef>
+        </p:style>
+      </p:cxnSp>
+      <p:sp>
+        <p:nvSpPr>
+          <p:cNvPr id="69" name="TextBox 68"/>
+          <p:cNvSpPr txBox="1"/>
+          <p:nvPr/>
+        </p:nvSpPr>
+        <p:spPr>
+          <a:xfrm>
+            <a:off x="4199071" y="4591545"/>
+            <a:ext cx="2102113" cy="215444"/>
+          </a:xfrm>
+          <a:prstGeom prst="rect">
+            <a:avLst/>
+          </a:prstGeom>
+          <a:noFill/>
+        </p:spPr>
+        <p:txBody>
+          <a:bodyPr wrap="square" lIns="0" tIns="0" rIns="0" bIns="0" rtlCol="0">
+            <a:spAutoFit/>
+          </a:bodyPr>
+          <a:lstStyle>
+            <a:defPPr>
+              <a:defRPr lang="en-US"/>
+            </a:defPPr>
+            <a:lvl1pPr algn="r">
+              <a:defRPr sz="1400">
+                <a:solidFill>
+                  <a:srgbClr val="0070C0"/>
+                </a:solidFill>
+              </a:defRPr>
+            </a:lvl1pPr>
+          </a:lstStyle>
+          <a:p>
+            <a:r>
+              <a:rPr lang="en-US" dirty="0" err="1" smtClean="0"/>
+              <a:t>addSavedTagToInternship</a:t>
+            </a:r>
+            <a:r>
+              <a:rPr lang="en-US" dirty="0" smtClean="0"/>
+              <a:t>()</a:t>
+            </a:r>
+            <a:endParaRPr lang="en-US" dirty="0"/>
           </a:p>
         </p:txBody>
       </p:sp>

--- a/docs/diagrams/LogicComponentSequenceDiagram.pptx
+++ b/docs/diagrams/LogicComponentSequenceDiagram.pptx
@@ -212,7 +212,7 @@
           <a:p>
             <a:fld id="{F5CC4B3F-88C1-4FFA-B1B6-F41C21DC6924}" type="datetimeFigureOut">
               <a:rPr lang="en-US" smtClean="0"/>
-              <a:t>3/23/18</a:t>
+              <a:t>4/12/18</a:t>
             </a:fld>
             <a:endParaRPr lang="en-US"/>
           </a:p>
@@ -658,7 +658,7 @@
           <a:p>
             <a:fld id="{78C97017-6FC3-485B-9764-EAC9E56C1D49}" type="datetimeFigureOut">
               <a:rPr lang="en-US" smtClean="0"/>
-              <a:t>3/23/18</a:t>
+              <a:t>4/12/18</a:t>
             </a:fld>
             <a:endParaRPr lang="en-US"/>
           </a:p>
@@ -826,7 +826,7 @@
           <a:p>
             <a:fld id="{78C97017-6FC3-485B-9764-EAC9E56C1D49}" type="datetimeFigureOut">
               <a:rPr lang="en-US" smtClean="0"/>
-              <a:t>3/23/18</a:t>
+              <a:t>4/12/18</a:t>
             </a:fld>
             <a:endParaRPr lang="en-US"/>
           </a:p>
@@ -1004,7 +1004,7 @@
           <a:p>
             <a:fld id="{78C97017-6FC3-485B-9764-EAC9E56C1D49}" type="datetimeFigureOut">
               <a:rPr lang="en-US" smtClean="0"/>
-              <a:t>3/23/18</a:t>
+              <a:t>4/12/18</a:t>
             </a:fld>
             <a:endParaRPr lang="en-US"/>
           </a:p>
@@ -1172,7 +1172,7 @@
           <a:p>
             <a:fld id="{78C97017-6FC3-485B-9764-EAC9E56C1D49}" type="datetimeFigureOut">
               <a:rPr lang="en-US" smtClean="0"/>
-              <a:t>3/23/18</a:t>
+              <a:t>4/12/18</a:t>
             </a:fld>
             <a:endParaRPr lang="en-US"/>
           </a:p>
@@ -1417,7 +1417,7 @@
           <a:p>
             <a:fld id="{78C97017-6FC3-485B-9764-EAC9E56C1D49}" type="datetimeFigureOut">
               <a:rPr lang="en-US" smtClean="0"/>
-              <a:t>3/23/18</a:t>
+              <a:t>4/12/18</a:t>
             </a:fld>
             <a:endParaRPr lang="en-US"/>
           </a:p>
@@ -1702,7 +1702,7 @@
           <a:p>
             <a:fld id="{78C97017-6FC3-485B-9764-EAC9E56C1D49}" type="datetimeFigureOut">
               <a:rPr lang="en-US" smtClean="0"/>
-              <a:t>3/23/18</a:t>
+              <a:t>4/12/18</a:t>
             </a:fld>
             <a:endParaRPr lang="en-US"/>
           </a:p>
@@ -2121,7 +2121,7 @@
           <a:p>
             <a:fld id="{78C97017-6FC3-485B-9764-EAC9E56C1D49}" type="datetimeFigureOut">
               <a:rPr lang="en-US" smtClean="0"/>
-              <a:t>3/23/18</a:t>
+              <a:t>4/12/18</a:t>
             </a:fld>
             <a:endParaRPr lang="en-US"/>
           </a:p>
@@ -2238,7 +2238,7 @@
           <a:p>
             <a:fld id="{78C97017-6FC3-485B-9764-EAC9E56C1D49}" type="datetimeFigureOut">
               <a:rPr lang="en-US" smtClean="0"/>
-              <a:t>3/23/18</a:t>
+              <a:t>4/12/18</a:t>
             </a:fld>
             <a:endParaRPr lang="en-US"/>
           </a:p>
@@ -2333,7 +2333,7 @@
           <a:p>
             <a:fld id="{78C97017-6FC3-485B-9764-EAC9E56C1D49}" type="datetimeFigureOut">
               <a:rPr lang="en-US" smtClean="0"/>
-              <a:t>3/23/18</a:t>
+              <a:t>4/12/18</a:t>
             </a:fld>
             <a:endParaRPr lang="en-US"/>
           </a:p>
@@ -2608,7 +2608,7 @@
           <a:p>
             <a:fld id="{78C97017-6FC3-485B-9764-EAC9E56C1D49}" type="datetimeFigureOut">
               <a:rPr lang="en-US" smtClean="0"/>
-              <a:t>3/23/18</a:t>
+              <a:t>4/12/18</a:t>
             </a:fld>
             <a:endParaRPr lang="en-US"/>
           </a:p>
@@ -2860,7 +2860,7 @@
           <a:p>
             <a:fld id="{78C97017-6FC3-485B-9764-EAC9E56C1D49}" type="datetimeFigureOut">
               <a:rPr lang="en-US" smtClean="0"/>
-              <a:t>3/23/18</a:t>
+              <a:t>4/12/18</a:t>
             </a:fld>
             <a:endParaRPr lang="en-US"/>
           </a:p>
@@ -3071,7 +3071,7 @@
           <a:p>
             <a:fld id="{78C97017-6FC3-485B-9764-EAC9E56C1D49}" type="datetimeFigureOut">
               <a:rPr lang="en-US" smtClean="0"/>
-              <a:t>3/23/18</a:t>
+              <a:t>4/12/18</a:t>
             </a:fld>
             <a:endParaRPr lang="en-US"/>
           </a:p>
@@ -3556,15 +3556,7 @@
                   <a:schemeClr val="bg1"/>
                 </a:solidFill>
               </a:rPr>
-              <a:t>:</a:t>
-            </a:r>
-            <a:r>
-              <a:rPr lang="en-US" sz="1600" dirty="0" err="1">
-                <a:solidFill>
-                  <a:schemeClr val="bg1"/>
-                </a:solidFill>
-              </a:rPr>
-              <a:t>LogicManager</a:t>
+              <a:t>:LogicManager</a:t>
             </a:r>
             <a:endParaRPr lang="en-SG" sz="1600" dirty="0">
               <a:solidFill>
@@ -3702,18 +3694,23 @@
           <a:p>
             <a:pPr algn="ctr"/>
             <a:r>
-              <a:rPr lang="en-US" sz="1600" dirty="0">
+              <a:rPr lang="en-US" sz="1600" dirty="0" smtClean="0">
                 <a:solidFill>
                   <a:schemeClr val="bg1"/>
                 </a:solidFill>
               </a:rPr>
-              <a:t>:Address</a:t>
-            </a:r>
+              <a:t>:Internship</a:t>
+            </a:r>
+            <a:endParaRPr lang="en-US" sz="1600" dirty="0">
+              <a:solidFill>
+                <a:schemeClr val="bg1"/>
+              </a:solidFill>
+            </a:endParaRPr>
           </a:p>
           <a:p>
             <a:pPr algn="ctr"/>
             <a:r>
-              <a:rPr lang="en-US" sz="1600" dirty="0" err="1">
+              <a:rPr lang="en-US" sz="1600" dirty="0">
                 <a:solidFill>
                   <a:schemeClr val="bg1"/>
                 </a:solidFill>
@@ -3860,20 +3857,12 @@
           <a:p>
             <a:pPr algn="ctr"/>
             <a:r>
-              <a:rPr lang="en-US" sz="1600" dirty="0" err="1" smtClean="0">
+              <a:rPr lang="en-US" sz="1600" dirty="0" smtClean="0">
                 <a:solidFill>
                   <a:schemeClr val="bg1"/>
                 </a:solidFill>
               </a:rPr>
-              <a:t>s</a:t>
-            </a:r>
-            <a:r>
-              <a:rPr lang="en-US" sz="1600" dirty="0" err="1" smtClean="0">
-                <a:solidFill>
-                  <a:schemeClr val="bg1"/>
-                </a:solidFill>
-              </a:rPr>
-              <a:t>:Save</a:t>
+              <a:t>s:Save</a:t>
             </a:r>
             <a:r>
               <a:rPr lang="en-US" sz="1600" dirty="0">
@@ -4101,23 +4090,7 @@
                   <a:srgbClr val="0070C0"/>
                 </a:solidFill>
               </a:rPr>
-              <a:t>(“</a:t>
-            </a:r>
-            <a:r>
-              <a:rPr lang="en-US" sz="1400" dirty="0" smtClean="0">
-                <a:solidFill>
-                  <a:srgbClr val="0070C0"/>
-                </a:solidFill>
-              </a:rPr>
-              <a:t>save</a:t>
-            </a:r>
-            <a:r>
-              <a:rPr lang="en-US" sz="1400" dirty="0" smtClean="0">
-                <a:solidFill>
-                  <a:srgbClr val="0070C0"/>
-                </a:solidFill>
-              </a:rPr>
-              <a:t> </a:t>
+              <a:t>(“save </a:t>
             </a:r>
             <a:r>
               <a:rPr lang="en-US" sz="1400" dirty="0">
@@ -4714,28 +4687,12 @@
           </a:lstStyle>
           <a:p>
             <a:r>
-              <a:rPr lang="en-US" dirty="0" err="1" smtClean="0">
-                <a:solidFill>
-                  <a:srgbClr val="7030A0"/>
-                </a:solidFill>
-              </a:rPr>
-              <a:t>update</a:t>
-            </a:r>
-            <a:r>
-              <a:rPr lang="en-US" dirty="0" err="1" smtClean="0">
-                <a:solidFill>
-                  <a:srgbClr val="7030A0"/>
-                </a:solidFill>
-              </a:rPr>
-              <a:t>Person</a:t>
-            </a:r>
-            <a:r>
               <a:rPr lang="en-US" dirty="0" smtClean="0">
                 <a:solidFill>
                   <a:srgbClr val="7030A0"/>
                 </a:solidFill>
               </a:rPr>
-              <a:t>(p)</a:t>
+              <a:t>updatePerson(p)</a:t>
             </a:r>
             <a:endParaRPr lang="en-US" dirty="0">
               <a:solidFill>
@@ -4824,15 +4781,7 @@
             </a:r>
             <a:r>
               <a:rPr lang="en-US" dirty="0" smtClean="0"/>
-              <a:t>(“</a:t>
-            </a:r>
-            <a:r>
-              <a:rPr lang="en-US" dirty="0" smtClean="0"/>
-              <a:t>save</a:t>
-            </a:r>
-            <a:r>
-              <a:rPr lang="en-US" dirty="0" smtClean="0"/>
-              <a:t> </a:t>
+              <a:t>(“save </a:t>
             </a:r>
             <a:r>
               <a:rPr lang="en-US" dirty="0"/>
@@ -4965,20 +4914,12 @@
           <a:p>
             <a:pPr algn="ctr"/>
             <a:r>
-              <a:rPr lang="en-US" sz="1600" dirty="0" err="1">
-                <a:solidFill>
-                  <a:schemeClr val="bg1"/>
-                </a:solidFill>
-              </a:rPr>
-              <a:t>result:Command</a:t>
-            </a:r>
-            <a:r>
               <a:rPr lang="en-US" sz="1600" dirty="0">
                 <a:solidFill>
                   <a:schemeClr val="bg1"/>
                 </a:solidFill>
               </a:rPr>
-              <a:t> Result</a:t>
+              <a:t>result:Command Result</a:t>
             </a:r>
             <a:endParaRPr lang="en-SG" sz="1600" dirty="0">
               <a:solidFill>
@@ -5110,7 +5051,6 @@
               <a:rPr lang="en-US" dirty="0"/>
               <a:t>s</a:t>
             </a:r>
-            <a:endParaRPr lang="en-US" dirty="0"/>
           </a:p>
         </p:txBody>
       </p:sp>
@@ -5163,23 +5103,7 @@
                   <a:schemeClr val="bg1"/>
                 </a:solidFill>
               </a:rPr>
-              <a:t>:</a:t>
-            </a:r>
-            <a:r>
-              <a:rPr lang="en-US" sz="1600" dirty="0" err="1" smtClean="0">
-                <a:solidFill>
-                  <a:schemeClr val="bg1"/>
-                </a:solidFill>
-              </a:rPr>
-              <a:t>Save</a:t>
-            </a:r>
-            <a:r>
-              <a:rPr lang="en-US" sz="1600" dirty="0" err="1" smtClean="0">
-                <a:solidFill>
-                  <a:schemeClr val="bg1"/>
-                </a:solidFill>
-              </a:rPr>
-              <a:t>Command</a:t>
+              <a:t>:SaveCommand</a:t>
             </a:r>
             <a:endParaRPr lang="en-US" sz="1600" dirty="0">
               <a:solidFill>
@@ -5703,12 +5627,8 @@
           </a:lstStyle>
           <a:p>
             <a:r>
-              <a:rPr lang="en-US" dirty="0" err="1" smtClean="0"/>
-              <a:t>addSavedTagToInternship</a:t>
-            </a:r>
-            <a:r>
               <a:rPr lang="en-US" dirty="0" smtClean="0"/>
-              <a:t>()</a:t>
+              <a:t>addSavedTagToInternship()</a:t>
             </a:r>
             <a:endParaRPr lang="en-US" dirty="0"/>
           </a:p>
